--- a/assets/logo.pptx
+++ b/assets/logo.pptx
@@ -4642,16 +4642,15 @@
           </p:cNvPicPr>
           <p:nvPr/>
         </p:nvPicPr>
-        <p:blipFill>
+        <p:blipFill rotWithShape="1">
           <a:blip r:embed="rId2"/>
-          <a:stretch>
-            <a:fillRect/>
-          </a:stretch>
+          <a:srcRect r="6648"/>
+          <a:stretch/>
         </p:blipFill>
         <p:spPr>
           <a:xfrm>
-            <a:off x="1333500" y="1047750"/>
-            <a:ext cx="4762500" cy="4762500"/>
+            <a:off x="1650139" y="1047750"/>
+            <a:ext cx="4445861" cy="4762500"/>
           </a:xfrm>
           <a:prstGeom prst="rect">
             <a:avLst/>
@@ -4672,16 +4671,15 @@
           </p:cNvPicPr>
           <p:nvPr/>
         </p:nvPicPr>
-        <p:blipFill>
+        <p:blipFill rotWithShape="1">
           <a:blip r:embed="rId3"/>
-          <a:stretch>
-            <a:fillRect/>
-          </a:stretch>
+          <a:srcRect l="2299"/>
+          <a:stretch/>
         </p:blipFill>
         <p:spPr>
           <a:xfrm>
             <a:off x="6096000" y="1047750"/>
-            <a:ext cx="4762500" cy="4762500"/>
+            <a:ext cx="4653009" cy="4762500"/>
           </a:xfrm>
           <a:prstGeom prst="rect">
             <a:avLst/>
